--- a/livrables/Ascii-Art-Web.pptx
+++ b/livrables/Ascii-Art-Web.pptx
@@ -108,6 +108,11 @@
       </a:defRPr>
     </a:lvl9pPr>
   </p:defaultTextStyle>
+  <p:extLst>
+    <p:ext uri="{EFAFB233-063F-42B5-8137-9DF3F51BA10A}">
+      <p15:sldGuideLst xmlns:p15="http://schemas.microsoft.com/office/powerpoint/2012/main"/>
+    </p:ext>
+  </p:extLst>
 </p:presentation>
 </file>
 
@@ -418,7 +423,7 @@
           <a:p>
             <a:fld id="{12241623-A064-4BED-B073-BA4D61433402}" type="datetime1">
               <a:rPr lang="en-US" smtClean="0"/>
-              <a:t>12/11/2020</a:t>
+              <a:t>12/14/2020</a:t>
             </a:fld>
             <a:endParaRPr lang="en-US" dirty="0"/>
           </a:p>
@@ -1229,7 +1234,7 @@
           <a:p>
             <a:fld id="{6F86ED0C-1DA7-41F0-94CF-6218B1FEDFF1}" type="datetime1">
               <a:rPr lang="en-US" smtClean="0"/>
-              <a:t>12/11/2020</a:t>
+              <a:t>12/14/2020</a:t>
             </a:fld>
             <a:endParaRPr lang="en-US" dirty="0"/>
           </a:p>
@@ -1428,7 +1433,7 @@
           <a:p>
             <a:fld id="{EECF02AB-6034-4B88-BC5A-7C17CB0EF809}" type="datetime1">
               <a:rPr lang="en-US" smtClean="0"/>
-              <a:t>12/11/2020</a:t>
+              <a:t>12/14/2020</a:t>
             </a:fld>
             <a:endParaRPr lang="en-US" dirty="0"/>
           </a:p>
@@ -1663,7 +1668,7 @@
           <a:p>
             <a:fld id="{22F3E5F3-28EE-488F-BD53-B744C06C3DEC}" type="datetime1">
               <a:rPr lang="en-US" smtClean="0"/>
-              <a:t>12/11/2020</a:t>
+              <a:t>12/14/2020</a:t>
             </a:fld>
             <a:endParaRPr lang="en-US" dirty="0"/>
           </a:p>
@@ -4356,7 +4361,7 @@
           <a:p>
             <a:fld id="{E72EB70D-CD01-44DA-83B3-8FEB3383D307}" type="datetime1">
               <a:rPr lang="en-US" smtClean="0"/>
-              <a:t>12/11/2020</a:t>
+              <a:t>12/14/2020</a:t>
             </a:fld>
             <a:endParaRPr lang="en-US" dirty="0"/>
           </a:p>
@@ -4552,7 +4557,7 @@
           <a:p>
             <a:fld id="{D0158CFD-9357-46BE-A189-D637A67C8730}" type="datetime1">
               <a:rPr lang="en-US" smtClean="0"/>
-              <a:t>12/11/2020</a:t>
+              <a:t>12/14/2020</a:t>
             </a:fld>
             <a:endParaRPr lang="en-US" dirty="0"/>
           </a:p>
@@ -4941,7 +4946,7 @@
           <a:p>
             <a:fld id="{7B4742EE-B331-4632-BD10-A82FED6B6FC0}" type="datetime1">
               <a:rPr lang="en-US" smtClean="0"/>
-              <a:t>12/11/2020</a:t>
+              <a:t>12/14/2020</a:t>
             </a:fld>
             <a:endParaRPr lang="en-US" dirty="0"/>
           </a:p>
@@ -5107,7 +5112,7 @@
           <a:p>
             <a:fld id="{451BA835-D13F-49F4-8F11-5D576AC65FAD}" type="datetime1">
               <a:rPr lang="en-US" smtClean="0"/>
-              <a:t>12/11/2020</a:t>
+              <a:t>12/14/2020</a:t>
             </a:fld>
             <a:endParaRPr lang="en-US" dirty="0"/>
           </a:p>
@@ -5230,7 +5235,7 @@
           <a:p>
             <a:fld id="{ADBD1799-ACB5-4CB2-86A2-5C574F1C8706}" type="datetime1">
               <a:rPr lang="en-US" smtClean="0"/>
-              <a:t>12/11/2020</a:t>
+              <a:t>12/14/2020</a:t>
             </a:fld>
             <a:endParaRPr lang="en-US" dirty="0"/>
           </a:p>
@@ -5540,7 +5545,7 @@
           <a:p>
             <a:fld id="{ED5DD0D6-7A82-473E-879B-C6ECD6CCCFEC}" type="datetime1">
               <a:rPr lang="en-US" smtClean="0"/>
-              <a:t>12/11/2020</a:t>
+              <a:t>12/14/2020</a:t>
             </a:fld>
             <a:endParaRPr lang="en-US" dirty="0"/>
           </a:p>
@@ -5840,7 +5845,7 @@
           <a:p>
             <a:fld id="{D4605E03-BC17-41A7-854C-DFAB672737DC}" type="datetime1">
               <a:rPr lang="en-US" smtClean="0"/>
-              <a:t>12/11/2020</a:t>
+              <a:t>12/14/2020</a:t>
             </a:fld>
             <a:endParaRPr lang="en-US" dirty="0"/>
           </a:p>
@@ -6092,7 +6097,7 @@
           <a:p>
             <a:fld id="{C4408324-A84C-4A45-93B6-78D079CCE772}" type="datetime1">
               <a:rPr lang="en-US" smtClean="0"/>
-              <a:t>12/11/2020</a:t>
+              <a:t>12/14/2020</a:t>
             </a:fld>
             <a:endParaRPr lang="en-US" dirty="0"/>
           </a:p>
@@ -7733,10 +7738,10 @@
       </p:sp>
       <p:pic>
         <p:nvPicPr>
-          <p:cNvPr id="5" name="Image 4">
+          <p:cNvPr id="4" name="Image 3">
             <a:extLst>
               <a:ext uri="{FF2B5EF4-FFF2-40B4-BE49-F238E27FC236}">
-                <a16:creationId xmlns:a16="http://schemas.microsoft.com/office/drawing/2014/main" id="{A7C40856-2117-4E84-940C-19C48613EFE3}"/>
+                <a16:creationId xmlns:a16="http://schemas.microsoft.com/office/drawing/2014/main" id="{C5B18014-C59D-40E2-AF0B-4ACC97137809}"/>
               </a:ext>
             </a:extLst>
           </p:cNvPr>
@@ -7753,16 +7758,13 @@
         </p:blipFill>
         <p:spPr>
           <a:xfrm>
-            <a:off x="2397022" y="2436563"/>
-            <a:ext cx="7397956" cy="4162083"/>
+            <a:off x="2734331" y="2590800"/>
+            <a:ext cx="6723338" cy="3996430"/>
           </a:xfrm>
           <a:prstGeom prst="rect">
             <a:avLst/>
           </a:prstGeom>
-          <a:solidFill>
-            <a:srgbClr val="7F7F7F"/>
-          </a:solidFill>
-          <a:ln w="28575">
+          <a:ln w="19050">
             <a:solidFill>
               <a:srgbClr val="7F7F7F"/>
             </a:solidFill>
